--- a/ptt/python_rest.PPTX
+++ b/ptt/python_rest.PPTX
@@ -6,7 +6,7 @@
     <p:sldMasterId id="2147483672" r:id="rId2"/>
   </p:sldMasterIdLst>
   <p:notesMasterIdLst>
-    <p:notesMasterId r:id="rId18"/>
+    <p:notesMasterId r:id="rId23"/>
   </p:notesMasterIdLst>
   <p:sldIdLst>
     <p:sldId id="256" r:id="rId3"/>
@@ -24,11 +24,16 @@
     <p:sldId id="273" r:id="rId15"/>
     <p:sldId id="272" r:id="rId16"/>
     <p:sldId id="275" r:id="rId17"/>
+    <p:sldId id="276" r:id="rId18"/>
+    <p:sldId id="280" r:id="rId19"/>
+    <p:sldId id="277" r:id="rId20"/>
+    <p:sldId id="278" r:id="rId21"/>
+    <p:sldId id="279" r:id="rId22"/>
   </p:sldIdLst>
   <p:sldSz cx="9144000" cy="5143500" type="screen16x9"/>
   <p:notesSz cx="6858000" cy="9144000"/>
   <p:custDataLst>
-    <p:tags r:id="rId19"/>
+    <p:tags r:id="rId24"/>
   </p:custDataLst>
   <p:defaultTextStyle>
     <a:defPPr>
@@ -153,6 +158,15 @@
             <p14:sldId id="273"/>
             <p14:sldId id="272"/>
             <p14:sldId id="275"/>
+          </p14:sldIdLst>
+        </p14:section>
+        <p14:section name="תרגול" id="{3DEC9C74-0021-47FB-9FC8-D32143A2021B}">
+          <p14:sldIdLst>
+            <p14:sldId id="276"/>
+            <p14:sldId id="280"/>
+            <p14:sldId id="277"/>
+            <p14:sldId id="278"/>
+            <p14:sldId id="279"/>
           </p14:sldIdLst>
         </p14:section>
       </p14:sectionLst>
@@ -386,7 +400,7 @@
           <a:p>
             <a:fld id="{0D56F7BA-4CD1-4AC3-9F10-2653C874E9BB}" type="datetimeFigureOut">
               <a:rPr lang="en-US" smtClean="0"/>
-              <a:t>3/12/2019</a:t>
+              <a:t>3/14/2019</a:t>
             </a:fld>
             <a:endParaRPr lang="en-US"/>
           </a:p>
@@ -7766,6 +7780,553 @@
 </p:sld>
 </file>
 
+<file path=ppt/slides/slide16.xml><?xml version="1.0" encoding="utf-8"?>
+<p:sld xmlns:a="http://schemas.openxmlformats.org/drawingml/2006/main" xmlns:r="http://schemas.openxmlformats.org/officeDocument/2006/relationships" xmlns:p="http://schemas.openxmlformats.org/presentationml/2006/main">
+  <p:cSld>
+    <p:spTree>
+      <p:nvGrpSpPr>
+        <p:cNvPr id="1" name=""/>
+        <p:cNvGrpSpPr/>
+        <p:nvPr/>
+      </p:nvGrpSpPr>
+      <p:grpSpPr>
+        <a:xfrm>
+          <a:off x="0" y="0"/>
+          <a:ext cx="0" cy="0"/>
+          <a:chOff x="0" y="0"/>
+          <a:chExt cx="0" cy="0"/>
+        </a:xfrm>
+      </p:grpSpPr>
+      <p:sp>
+        <p:nvSpPr>
+          <p:cNvPr id="2" name="Title 1"/>
+          <p:cNvSpPr>
+            <a:spLocks noGrp="1"/>
+          </p:cNvSpPr>
+          <p:nvPr>
+            <p:ph type="title"/>
+          </p:nvPr>
+        </p:nvSpPr>
+        <p:spPr/>
+        <p:txBody>
+          <a:bodyPr/>
+          <a:lstStyle/>
+          <a:p>
+            <a:r>
+              <a:rPr lang="he-IL" dirty="0" smtClean="0"/>
+              <a:t>תרגול - </a:t>
+            </a:r>
+            <a:r>
+              <a:rPr lang="en-US" dirty="0" smtClean="0"/>
+              <a:t>server</a:t>
+            </a:r>
+            <a:endParaRPr lang="he-IL" dirty="0"/>
+          </a:p>
+        </p:txBody>
+      </p:sp>
+      <p:sp>
+        <p:nvSpPr>
+          <p:cNvPr id="3" name="Content Placeholder 2"/>
+          <p:cNvSpPr>
+            <a:spLocks noGrp="1"/>
+          </p:cNvSpPr>
+          <p:nvPr>
+            <p:ph idx="1"/>
+          </p:nvPr>
+        </p:nvSpPr>
+        <p:spPr/>
+        <p:txBody>
+          <a:bodyPr/>
+          <a:lstStyle/>
+          <a:p>
+            <a:pPr marL="522288" lvl="1" indent="-342900">
+              <a:buFont typeface="+mj-lt"/>
+              <a:buAutoNum type="arabicPeriod"/>
+            </a:pPr>
+            <a:r>
+              <a:rPr lang="he-IL" dirty="0"/>
+              <a:t>הוסף ישות חדשה לקובץ </a:t>
+            </a:r>
+            <a:r>
+              <a:rPr lang="en-US" dirty="0" err="1"/>
+              <a:t>data.json</a:t>
+            </a:r>
+            <a:r>
+              <a:rPr lang="he-IL" dirty="0"/>
+              <a:t> בשרת :</a:t>
+            </a:r>
+          </a:p>
+          <a:p>
+            <a:pPr lvl="2"/>
+            <a:r>
+              <a:rPr lang="he-IL" dirty="0" smtClean="0"/>
+              <a:t>שם יכול לחזור מספר פעמים </a:t>
+            </a:r>
+          </a:p>
+          <a:p>
+            <a:pPr lvl="2"/>
+            <a:r>
+              <a:rPr lang="en-US" dirty="0" smtClean="0"/>
+              <a:t>Id</a:t>
+            </a:r>
+            <a:r>
+              <a:rPr lang="he-IL" dirty="0" smtClean="0"/>
+              <a:t> הוא חד ערכי כלומר אין כפילות </a:t>
+            </a:r>
+            <a:endParaRPr lang="he-IL" dirty="0"/>
+          </a:p>
+          <a:p>
+            <a:pPr lvl="2"/>
+            <a:r>
+              <a:rPr lang="he-IL" dirty="0" smtClean="0"/>
+              <a:t>תרגיל 1 – במידה ו </a:t>
+            </a:r>
+            <a:r>
+              <a:rPr lang="en-US" dirty="0" smtClean="0"/>
+              <a:t>id </a:t>
+            </a:r>
+            <a:r>
+              <a:rPr lang="he-IL" dirty="0" smtClean="0"/>
+              <a:t> קיים , יש להוציא הודעת שגיאה: הישות קיימת ולא ניתן להוסיף אותה.</a:t>
+            </a:r>
+          </a:p>
+        </p:txBody>
+      </p:sp>
+      <p:sp>
+        <p:nvSpPr>
+          <p:cNvPr id="4" name="Slide Number Placeholder 3"/>
+          <p:cNvSpPr>
+            <a:spLocks noGrp="1"/>
+          </p:cNvSpPr>
+          <p:nvPr>
+            <p:ph type="sldNum" sz="quarter" idx="12"/>
+          </p:nvPr>
+        </p:nvSpPr>
+        <p:spPr/>
+        <p:txBody>
+          <a:bodyPr/>
+          <a:lstStyle/>
+          <a:p>
+            <a:fld id="{915BC413-7E99-4ACB-B45A-2066C78CC543}" type="slidenum">
+              <a:rPr lang="en-US" smtClean="0"/>
+              <a:t>16</a:t>
+            </a:fld>
+            <a:endParaRPr lang="en-US"/>
+          </a:p>
+        </p:txBody>
+      </p:sp>
+    </p:spTree>
+    <p:extLst>
+      <p:ext uri="{BB962C8B-B14F-4D97-AF65-F5344CB8AC3E}">
+        <p14:creationId xmlns:p14="http://schemas.microsoft.com/office/powerpoint/2010/main" val="4285693213"/>
+      </p:ext>
+    </p:extLst>
+  </p:cSld>
+  <p:clrMapOvr>
+    <a:masterClrMapping/>
+  </p:clrMapOvr>
+  <p:transition/>
+</p:sld>
+</file>
+
+<file path=ppt/slides/slide17.xml><?xml version="1.0" encoding="utf-8"?>
+<p:sld xmlns:a="http://schemas.openxmlformats.org/drawingml/2006/main" xmlns:r="http://schemas.openxmlformats.org/officeDocument/2006/relationships" xmlns:p="http://schemas.openxmlformats.org/presentationml/2006/main">
+  <p:cSld>
+    <p:spTree>
+      <p:nvGrpSpPr>
+        <p:cNvPr id="1" name=""/>
+        <p:cNvGrpSpPr/>
+        <p:nvPr/>
+      </p:nvGrpSpPr>
+      <p:grpSpPr>
+        <a:xfrm>
+          <a:off x="0" y="0"/>
+          <a:ext cx="0" cy="0"/>
+          <a:chOff x="0" y="0"/>
+          <a:chExt cx="0" cy="0"/>
+        </a:xfrm>
+      </p:grpSpPr>
+      <p:sp>
+        <p:nvSpPr>
+          <p:cNvPr id="2" name="Title 1"/>
+          <p:cNvSpPr>
+            <a:spLocks noGrp="1"/>
+          </p:cNvSpPr>
+          <p:nvPr>
+            <p:ph type="title"/>
+          </p:nvPr>
+        </p:nvSpPr>
+        <p:spPr/>
+        <p:txBody>
+          <a:bodyPr/>
+          <a:lstStyle/>
+          <a:p>
+            <a:endParaRPr lang="he-IL"/>
+          </a:p>
+        </p:txBody>
+      </p:sp>
+      <p:sp>
+        <p:nvSpPr>
+          <p:cNvPr id="3" name="Slide Number Placeholder 2"/>
+          <p:cNvSpPr>
+            <a:spLocks noGrp="1"/>
+          </p:cNvSpPr>
+          <p:nvPr>
+            <p:ph type="sldNum" sz="quarter" idx="12"/>
+          </p:nvPr>
+        </p:nvSpPr>
+        <p:spPr/>
+        <p:txBody>
+          <a:bodyPr/>
+          <a:lstStyle/>
+          <a:p>
+            <a:fld id="{915BC413-7E99-4ACB-B45A-2066C78CC543}" type="slidenum">
+              <a:rPr lang="en-US" smtClean="0"/>
+              <a:t>17</a:t>
+            </a:fld>
+            <a:endParaRPr lang="en-US"/>
+          </a:p>
+        </p:txBody>
+      </p:sp>
+      <p:pic>
+        <p:nvPicPr>
+          <p:cNvPr id="4" name="Picture 3"/>
+          <p:cNvPicPr>
+            <a:picLocks noChangeAspect="1"/>
+          </p:cNvPicPr>
+          <p:nvPr/>
+        </p:nvPicPr>
+        <p:blipFill>
+          <a:blip r:embed="rId2">
+            <a:extLst>
+              <a:ext uri="{28A0092B-C50C-407E-A947-70E740481C1C}">
+                <a14:useLocalDpi xmlns:a14="http://schemas.microsoft.com/office/drawing/2010/main" val="0"/>
+              </a:ext>
+            </a:extLst>
+          </a:blip>
+          <a:stretch>
+            <a:fillRect/>
+          </a:stretch>
+        </p:blipFill>
+        <p:spPr>
+          <a:xfrm>
+            <a:off x="182880" y="902601"/>
+            <a:ext cx="8866730" cy="3721302"/>
+          </a:xfrm>
+          <a:prstGeom prst="rect">
+            <a:avLst/>
+          </a:prstGeom>
+        </p:spPr>
+      </p:pic>
+    </p:spTree>
+    <p:extLst>
+      <p:ext uri="{BB962C8B-B14F-4D97-AF65-F5344CB8AC3E}">
+        <p14:creationId xmlns:p14="http://schemas.microsoft.com/office/powerpoint/2010/main" val="1926263909"/>
+      </p:ext>
+    </p:extLst>
+  </p:cSld>
+  <p:clrMapOvr>
+    <a:masterClrMapping/>
+  </p:clrMapOvr>
+  <p:transition/>
+</p:sld>
+</file>
+
+<file path=ppt/slides/slide18.xml><?xml version="1.0" encoding="utf-8"?>
+<p:sld xmlns:a="http://schemas.openxmlformats.org/drawingml/2006/main" xmlns:r="http://schemas.openxmlformats.org/officeDocument/2006/relationships" xmlns:p="http://schemas.openxmlformats.org/presentationml/2006/main">
+  <p:cSld>
+    <p:spTree>
+      <p:nvGrpSpPr>
+        <p:cNvPr id="1" name=""/>
+        <p:cNvGrpSpPr/>
+        <p:nvPr/>
+      </p:nvGrpSpPr>
+      <p:grpSpPr>
+        <a:xfrm>
+          <a:off x="0" y="0"/>
+          <a:ext cx="0" cy="0"/>
+          <a:chOff x="0" y="0"/>
+          <a:chExt cx="0" cy="0"/>
+        </a:xfrm>
+      </p:grpSpPr>
+      <p:sp>
+        <p:nvSpPr>
+          <p:cNvPr id="2" name="Title 1"/>
+          <p:cNvSpPr>
+            <a:spLocks noGrp="1"/>
+          </p:cNvSpPr>
+          <p:nvPr>
+            <p:ph type="title"/>
+          </p:nvPr>
+        </p:nvSpPr>
+        <p:spPr/>
+        <p:txBody>
+          <a:bodyPr/>
+          <a:lstStyle/>
+          <a:p>
+            <a:r>
+              <a:rPr lang="he-IL" dirty="0" smtClean="0"/>
+              <a:t>תרגול - </a:t>
+            </a:r>
+            <a:r>
+              <a:rPr lang="en-US" dirty="0" smtClean="0"/>
+              <a:t>server</a:t>
+            </a:r>
+            <a:endParaRPr lang="he-IL" dirty="0"/>
+          </a:p>
+        </p:txBody>
+      </p:sp>
+      <p:sp>
+        <p:nvSpPr>
+          <p:cNvPr id="3" name="Content Placeholder 2"/>
+          <p:cNvSpPr>
+            <a:spLocks noGrp="1"/>
+          </p:cNvSpPr>
+          <p:nvPr>
+            <p:ph idx="1"/>
+          </p:nvPr>
+        </p:nvSpPr>
+        <p:spPr/>
+        <p:txBody>
+          <a:bodyPr/>
+          <a:lstStyle/>
+          <a:p>
+            <a:pPr marL="179388" lvl="1" indent="0">
+              <a:buNone/>
+            </a:pPr>
+            <a:r>
+              <a:rPr lang="he-IL" dirty="0" smtClean="0"/>
+              <a:t>2. קבלת נתונים על ישות שנמצאת בשרת :</a:t>
+            </a:r>
+          </a:p>
+          <a:p>
+            <a:pPr lvl="2"/>
+            <a:r>
+              <a:rPr lang="he-IL" dirty="0" smtClean="0"/>
+              <a:t>שם יכול לחזור מספר פעמים </a:t>
+            </a:r>
+          </a:p>
+          <a:p>
+            <a:pPr lvl="2"/>
+            <a:r>
+              <a:rPr lang="he-IL" dirty="0" smtClean="0"/>
+              <a:t>יש לעבור על קובץ </a:t>
+            </a:r>
+            <a:r>
+              <a:rPr lang="en-US" dirty="0" err="1" smtClean="0"/>
+              <a:t>data.json</a:t>
+            </a:r>
+            <a:r>
+              <a:rPr lang="he-IL" dirty="0" smtClean="0"/>
+              <a:t> ו </a:t>
+            </a:r>
+          </a:p>
+          <a:p>
+            <a:pPr marL="703262" lvl="2" indent="-342900">
+              <a:buFont typeface="+mj-lt"/>
+              <a:buAutoNum type="arabicPeriod"/>
+            </a:pPr>
+            <a:r>
+              <a:rPr lang="he-IL" dirty="0" smtClean="0"/>
+              <a:t>להחזיר את כל המידע על הישות לפי השם שלה (המופע הראשון של הישות לפי השם)</a:t>
+            </a:r>
+          </a:p>
+          <a:p>
+            <a:pPr marL="360362" lvl="2" indent="0">
+              <a:buNone/>
+            </a:pPr>
+            <a:r>
+              <a:rPr lang="he-IL" dirty="0" smtClean="0"/>
+              <a:t>2.</a:t>
+            </a:r>
+            <a:r>
+              <a:rPr lang="he-IL" dirty="0"/>
+              <a:t> להחזיר את כל המידע על </a:t>
+            </a:r>
+            <a:r>
+              <a:rPr lang="he-IL" dirty="0" smtClean="0"/>
+              <a:t>כל </a:t>
+            </a:r>
+            <a:r>
+              <a:rPr lang="he-IL" dirty="0"/>
+              <a:t>הישויות </a:t>
+            </a:r>
+            <a:r>
+              <a:rPr lang="he-IL" dirty="0" smtClean="0"/>
+              <a:t>בעלות אותו השם (כל המופעים)</a:t>
+            </a:r>
+            <a:endParaRPr lang="he-IL" dirty="0"/>
+          </a:p>
+          <a:p>
+            <a:pPr marL="360362" lvl="2" indent="0">
+              <a:buNone/>
+            </a:pPr>
+            <a:endParaRPr lang="he-IL" dirty="0" smtClean="0"/>
+          </a:p>
+          <a:p>
+            <a:pPr marL="703262" lvl="2" indent="-342900">
+              <a:buFont typeface="+mj-lt"/>
+              <a:buAutoNum type="arabicPeriod"/>
+            </a:pPr>
+            <a:endParaRPr lang="he-IL" dirty="0" smtClean="0"/>
+          </a:p>
+        </p:txBody>
+      </p:sp>
+      <p:sp>
+        <p:nvSpPr>
+          <p:cNvPr id="4" name="Slide Number Placeholder 3"/>
+          <p:cNvSpPr>
+            <a:spLocks noGrp="1"/>
+          </p:cNvSpPr>
+          <p:nvPr>
+            <p:ph type="sldNum" sz="quarter" idx="12"/>
+          </p:nvPr>
+        </p:nvSpPr>
+        <p:spPr/>
+        <p:txBody>
+          <a:bodyPr/>
+          <a:lstStyle/>
+          <a:p>
+            <a:fld id="{915BC413-7E99-4ACB-B45A-2066C78CC543}" type="slidenum">
+              <a:rPr lang="en-US" smtClean="0"/>
+              <a:t>18</a:t>
+            </a:fld>
+            <a:endParaRPr lang="en-US"/>
+          </a:p>
+        </p:txBody>
+      </p:sp>
+    </p:spTree>
+    <p:extLst>
+      <p:ext uri="{BB962C8B-B14F-4D97-AF65-F5344CB8AC3E}">
+        <p14:creationId xmlns:p14="http://schemas.microsoft.com/office/powerpoint/2010/main" val="1802451965"/>
+      </p:ext>
+    </p:extLst>
+  </p:cSld>
+  <p:clrMapOvr>
+    <a:masterClrMapping/>
+  </p:clrMapOvr>
+  <p:transition/>
+</p:sld>
+</file>
+
+<file path=ppt/slides/slide19.xml><?xml version="1.0" encoding="utf-8"?>
+<p:sld xmlns:a="http://schemas.openxmlformats.org/drawingml/2006/main" xmlns:r="http://schemas.openxmlformats.org/officeDocument/2006/relationships" xmlns:p="http://schemas.openxmlformats.org/presentationml/2006/main">
+  <p:cSld>
+    <p:spTree>
+      <p:nvGrpSpPr>
+        <p:cNvPr id="1" name=""/>
+        <p:cNvGrpSpPr/>
+        <p:nvPr/>
+      </p:nvGrpSpPr>
+      <p:grpSpPr>
+        <a:xfrm>
+          <a:off x="0" y="0"/>
+          <a:ext cx="0" cy="0"/>
+          <a:chOff x="0" y="0"/>
+          <a:chExt cx="0" cy="0"/>
+        </a:xfrm>
+      </p:grpSpPr>
+      <p:sp>
+        <p:nvSpPr>
+          <p:cNvPr id="2" name="Title 1"/>
+          <p:cNvSpPr>
+            <a:spLocks noGrp="1"/>
+          </p:cNvSpPr>
+          <p:nvPr>
+            <p:ph type="title"/>
+          </p:nvPr>
+        </p:nvSpPr>
+        <p:spPr/>
+        <p:txBody>
+          <a:bodyPr/>
+          <a:lstStyle/>
+          <a:p>
+            <a:r>
+              <a:rPr lang="he-IL" dirty="0" smtClean="0"/>
+              <a:t>תרגול - </a:t>
+            </a:r>
+            <a:r>
+              <a:rPr lang="en-US" dirty="0" smtClean="0"/>
+              <a:t>server</a:t>
+            </a:r>
+            <a:endParaRPr lang="he-IL" dirty="0"/>
+          </a:p>
+        </p:txBody>
+      </p:sp>
+      <p:sp>
+        <p:nvSpPr>
+          <p:cNvPr id="3" name="Content Placeholder 2"/>
+          <p:cNvSpPr>
+            <a:spLocks noGrp="1"/>
+          </p:cNvSpPr>
+          <p:nvPr>
+            <p:ph idx="1"/>
+          </p:nvPr>
+        </p:nvSpPr>
+        <p:spPr/>
+        <p:txBody>
+          <a:bodyPr/>
+          <a:lstStyle/>
+          <a:p>
+            <a:pPr marL="179388" lvl="1" indent="0">
+              <a:buNone/>
+            </a:pPr>
+            <a:r>
+              <a:rPr lang="he-IL" dirty="0" smtClean="0"/>
+              <a:t>3. החזר את כל הישויות הנמצאות בקובץ </a:t>
+            </a:r>
+            <a:r>
+              <a:rPr lang="en-US" dirty="0" err="1" smtClean="0"/>
+              <a:t>data.json</a:t>
+            </a:r>
+            <a:endParaRPr lang="he-IL" dirty="0" smtClean="0"/>
+          </a:p>
+          <a:p>
+            <a:pPr marL="703262" lvl="2" indent="-342900">
+              <a:buFont typeface="+mj-lt"/>
+              <a:buAutoNum type="arabicPeriod"/>
+            </a:pPr>
+            <a:endParaRPr lang="he-IL" dirty="0" smtClean="0"/>
+          </a:p>
+        </p:txBody>
+      </p:sp>
+      <p:sp>
+        <p:nvSpPr>
+          <p:cNvPr id="4" name="Slide Number Placeholder 3"/>
+          <p:cNvSpPr>
+            <a:spLocks noGrp="1"/>
+          </p:cNvSpPr>
+          <p:nvPr>
+            <p:ph type="sldNum" sz="quarter" idx="12"/>
+          </p:nvPr>
+        </p:nvSpPr>
+        <p:spPr/>
+        <p:txBody>
+          <a:bodyPr/>
+          <a:lstStyle/>
+          <a:p>
+            <a:fld id="{915BC413-7E99-4ACB-B45A-2066C78CC543}" type="slidenum">
+              <a:rPr lang="en-US" smtClean="0"/>
+              <a:t>19</a:t>
+            </a:fld>
+            <a:endParaRPr lang="en-US"/>
+          </a:p>
+        </p:txBody>
+      </p:sp>
+    </p:spTree>
+    <p:extLst>
+      <p:ext uri="{BB962C8B-B14F-4D97-AF65-F5344CB8AC3E}">
+        <p14:creationId xmlns:p14="http://schemas.microsoft.com/office/powerpoint/2010/main" val="2131641257"/>
+      </p:ext>
+    </p:extLst>
+  </p:cSld>
+  <p:clrMapOvr>
+    <a:masterClrMapping/>
+  </p:clrMapOvr>
+  <p:transition/>
+</p:sld>
+</file>
+
 <file path=ppt/slides/slide2.xml><?xml version="1.0" encoding="utf-8"?>
 <p:sld xmlns:a="http://schemas.openxmlformats.org/drawingml/2006/main" xmlns:r="http://schemas.openxmlformats.org/officeDocument/2006/relationships" xmlns:p="http://schemas.openxmlformats.org/presentationml/2006/main">
   <p:cSld>
@@ -7858,6 +8419,146 @@
       </p:par>
     </p:tnLst>
   </p:timing>
+</p:sld>
+</file>
+
+<file path=ppt/slides/slide20.xml><?xml version="1.0" encoding="utf-8"?>
+<p:sld xmlns:a="http://schemas.openxmlformats.org/drawingml/2006/main" xmlns:r="http://schemas.openxmlformats.org/officeDocument/2006/relationships" xmlns:p="http://schemas.openxmlformats.org/presentationml/2006/main">
+  <p:cSld>
+    <p:spTree>
+      <p:nvGrpSpPr>
+        <p:cNvPr id="1" name=""/>
+        <p:cNvGrpSpPr/>
+        <p:nvPr/>
+      </p:nvGrpSpPr>
+      <p:grpSpPr>
+        <a:xfrm>
+          <a:off x="0" y="0"/>
+          <a:ext cx="0" cy="0"/>
+          <a:chOff x="0" y="0"/>
+          <a:chExt cx="0" cy="0"/>
+        </a:xfrm>
+      </p:grpSpPr>
+      <p:sp>
+        <p:nvSpPr>
+          <p:cNvPr id="2" name="Title 1"/>
+          <p:cNvSpPr>
+            <a:spLocks noGrp="1"/>
+          </p:cNvSpPr>
+          <p:nvPr>
+            <p:ph type="title"/>
+          </p:nvPr>
+        </p:nvSpPr>
+        <p:spPr/>
+        <p:txBody>
+          <a:bodyPr/>
+          <a:lstStyle/>
+          <a:p>
+            <a:r>
+              <a:rPr lang="he-IL" dirty="0" smtClean="0"/>
+              <a:t>תרגול </a:t>
+            </a:r>
+            <a:r>
+              <a:rPr lang="en-US" dirty="0" smtClean="0"/>
+              <a:t>client</a:t>
+            </a:r>
+            <a:endParaRPr lang="he-IL" dirty="0"/>
+          </a:p>
+        </p:txBody>
+      </p:sp>
+      <p:sp>
+        <p:nvSpPr>
+          <p:cNvPr id="3" name="Content Placeholder 2"/>
+          <p:cNvSpPr>
+            <a:spLocks noGrp="1"/>
+          </p:cNvSpPr>
+          <p:nvPr>
+            <p:ph idx="1"/>
+          </p:nvPr>
+        </p:nvSpPr>
+        <p:spPr/>
+        <p:txBody>
+          <a:bodyPr/>
+          <a:lstStyle/>
+          <a:p>
+            <a:r>
+              <a:rPr lang="he-IL" dirty="0" smtClean="0"/>
+              <a:t>החזר את ממוצע הגילאים </a:t>
+            </a:r>
+          </a:p>
+          <a:p>
+            <a:r>
+              <a:rPr lang="he-IL" dirty="0" smtClean="0"/>
+              <a:t>עברה שנה – יש לעדכן את הגילאים של כל </a:t>
+            </a:r>
+            <a:r>
+              <a:rPr lang="en-US" dirty="0" smtClean="0"/>
+              <a:t>people </a:t>
+            </a:r>
+            <a:r>
+              <a:rPr lang="he-IL" dirty="0" smtClean="0"/>
+              <a:t> בעוד שנה</a:t>
+            </a:r>
+          </a:p>
+          <a:p>
+            <a:r>
+              <a:rPr lang="he-IL" dirty="0" smtClean="0"/>
+              <a:t>בשעה טובה סיימתם קורס </a:t>
+            </a:r>
+            <a:r>
+              <a:rPr lang="he-IL" dirty="0" err="1" smtClean="0"/>
+              <a:t>פייטון</a:t>
+            </a:r>
+            <a:r>
+              <a:rPr lang="he-IL" dirty="0" smtClean="0"/>
+              <a:t> – הוסף את הקורס לרשימת ה </a:t>
+            </a:r>
+            <a:r>
+              <a:rPr lang="en-US" dirty="0" smtClean="0"/>
+              <a:t>programs</a:t>
+            </a:r>
+            <a:r>
+              <a:rPr lang="he-IL" dirty="0" smtClean="0"/>
+              <a:t> בשרת</a:t>
+            </a:r>
+            <a:endParaRPr lang="he-IL" dirty="0"/>
+          </a:p>
+        </p:txBody>
+      </p:sp>
+      <p:sp>
+        <p:nvSpPr>
+          <p:cNvPr id="4" name="Slide Number Placeholder 3"/>
+          <p:cNvSpPr>
+            <a:spLocks noGrp="1"/>
+          </p:cNvSpPr>
+          <p:nvPr>
+            <p:ph type="sldNum" sz="quarter" idx="12"/>
+          </p:nvPr>
+        </p:nvSpPr>
+        <p:spPr/>
+        <p:txBody>
+          <a:bodyPr/>
+          <a:lstStyle/>
+          <a:p>
+            <a:fld id="{915BC413-7E99-4ACB-B45A-2066C78CC543}" type="slidenum">
+              <a:rPr lang="en-US" smtClean="0"/>
+              <a:t>20</a:t>
+            </a:fld>
+            <a:endParaRPr lang="en-US"/>
+          </a:p>
+        </p:txBody>
+      </p:sp>
+    </p:spTree>
+    <p:extLst>
+      <p:ext uri="{BB962C8B-B14F-4D97-AF65-F5344CB8AC3E}">
+        <p14:creationId xmlns:p14="http://schemas.microsoft.com/office/powerpoint/2010/main" val="998205260"/>
+      </p:ext>
+    </p:extLst>
+  </p:cSld>
+  <p:clrMapOvr>
+    <a:masterClrMapping/>
+  </p:clrMapOvr>
+  <p:transition/>
 </p:sld>
 </file>
 
@@ -9144,11 +9845,7 @@
             </a:r>
             <a:r>
               <a:rPr lang="he-IL" dirty="0" smtClean="0"/>
-              <a:t>)</a:t>
-            </a:r>
-            <a:r>
-              <a:rPr lang="he-IL" dirty="0" smtClean="0"/>
-              <a:t>,</a:t>
+              <a:t>),</a:t>
             </a:r>
           </a:p>
           <a:p>
@@ -11016,11 +11713,7 @@
             </a:r>
             <a:r>
               <a:rPr lang="he-IL" dirty="0" smtClean="0"/>
-              <a:t> :משמש </a:t>
-            </a:r>
-            <a:r>
-              <a:rPr lang="he-IL" dirty="0" smtClean="0"/>
-              <a:t>להעלאת </a:t>
+              <a:t> :משמש להעלאת </a:t>
             </a:r>
             <a:r>
               <a:rPr lang="he-IL" dirty="0"/>
